--- a/CHING JIAN/AppInventor/App Inventor 2 安裝指引_單機版(離線版).pptx
+++ b/CHING JIAN/AppInventor/App Inventor 2 安裝指引_單機版(離線版).pptx
@@ -309,7 +309,7 @@
             <a:fld id="{B61BEF0D-F0BB-DE4B-95CE-6DB70DBA9567}" type="datetimeFigureOut">
               <a:rPr lang="en-US" smtClean="0"/>
               <a:pPr/>
-              <a:t>12/18/2020</a:t>
+              <a:t>12/19/2020</a:t>
             </a:fld>
             <a:endParaRPr lang="en-US" dirty="0"/>
           </a:p>
@@ -578,7 +578,7 @@
             <a:fld id="{B61BEF0D-F0BB-DE4B-95CE-6DB70DBA9567}" type="datetimeFigureOut">
               <a:rPr lang="en-US" smtClean="0"/>
               <a:pPr/>
-              <a:t>12/18/2020</a:t>
+              <a:t>12/19/2020</a:t>
             </a:fld>
             <a:endParaRPr lang="en-US" dirty="0"/>
           </a:p>
@@ -811,7 +811,7 @@
             <a:fld id="{B61BEF0D-F0BB-DE4B-95CE-6DB70DBA9567}" type="datetimeFigureOut">
               <a:rPr lang="en-US" smtClean="0"/>
               <a:pPr/>
-              <a:t>12/18/2020</a:t>
+              <a:t>12/19/2020</a:t>
             </a:fld>
             <a:endParaRPr lang="en-US" dirty="0"/>
           </a:p>
@@ -1123,7 +1123,7 @@
             <a:fld id="{B61BEF0D-F0BB-DE4B-95CE-6DB70DBA9567}" type="datetimeFigureOut">
               <a:rPr lang="en-US" smtClean="0"/>
               <a:pPr/>
-              <a:t>12/18/2020</a:t>
+              <a:t>12/19/2020</a:t>
             </a:fld>
             <a:endParaRPr lang="en-US" dirty="0"/>
           </a:p>
@@ -1598,7 +1598,7 @@
             <a:fld id="{B61BEF0D-F0BB-DE4B-95CE-6DB70DBA9567}" type="datetimeFigureOut">
               <a:rPr lang="en-US" smtClean="0"/>
               <a:pPr/>
-              <a:t>12/18/2020</a:t>
+              <a:t>12/19/2020</a:t>
             </a:fld>
             <a:endParaRPr lang="en-US" dirty="0"/>
           </a:p>
@@ -2147,7 +2147,7 @@
             <a:fld id="{B61BEF0D-F0BB-DE4B-95CE-6DB70DBA9567}" type="datetimeFigureOut">
               <a:rPr lang="en-US" smtClean="0"/>
               <a:pPr/>
-              <a:t>12/18/2020</a:t>
+              <a:t>12/19/2020</a:t>
             </a:fld>
             <a:endParaRPr lang="en-US" dirty="0"/>
           </a:p>
@@ -2923,7 +2923,7 @@
             <a:fld id="{B61BEF0D-F0BB-DE4B-95CE-6DB70DBA9567}" type="datetimeFigureOut">
               <a:rPr lang="en-US" smtClean="0"/>
               <a:pPr/>
-              <a:t>12/18/2020</a:t>
+              <a:t>12/19/2020</a:t>
             </a:fld>
             <a:endParaRPr lang="en-US" dirty="0"/>
           </a:p>
@@ -3100,7 +3100,7 @@
             <a:fld id="{B61BEF0D-F0BB-DE4B-95CE-6DB70DBA9567}" type="datetimeFigureOut">
               <a:rPr lang="en-US" smtClean="0"/>
               <a:pPr/>
-              <a:t>12/18/2020</a:t>
+              <a:t>12/19/2020</a:t>
             </a:fld>
             <a:endParaRPr lang="en-US" dirty="0"/>
           </a:p>
@@ -3325,7 +3325,7 @@
             <a:fld id="{B61BEF0D-F0BB-DE4B-95CE-6DB70DBA9567}" type="datetimeFigureOut">
               <a:rPr lang="en-US" smtClean="0"/>
               <a:pPr/>
-              <a:t>12/18/2020</a:t>
+              <a:t>12/19/2020</a:t>
             </a:fld>
             <a:endParaRPr lang="en-US" dirty="0"/>
           </a:p>
@@ -3507,7 +3507,7 @@
             <a:fld id="{B61BEF0D-F0BB-DE4B-95CE-6DB70DBA9567}" type="datetimeFigureOut">
               <a:rPr lang="en-US" smtClean="0"/>
               <a:pPr/>
-              <a:t>12/18/2020</a:t>
+              <a:t>12/19/2020</a:t>
             </a:fld>
             <a:endParaRPr lang="en-US" dirty="0"/>
           </a:p>
@@ -3798,7 +3798,7 @@
             <a:fld id="{B61BEF0D-F0BB-DE4B-95CE-6DB70DBA9567}" type="datetimeFigureOut">
               <a:rPr lang="en-US" smtClean="0"/>
               <a:pPr/>
-              <a:t>12/18/2020</a:t>
+              <a:t>12/19/2020</a:t>
             </a:fld>
             <a:endParaRPr lang="en-US" dirty="0"/>
           </a:p>
@@ -4042,7 +4042,7 @@
             <a:fld id="{B61BEF0D-F0BB-DE4B-95CE-6DB70DBA9567}" type="datetimeFigureOut">
               <a:rPr lang="en-US" smtClean="0"/>
               <a:pPr/>
-              <a:t>12/18/2020</a:t>
+              <a:t>12/19/2020</a:t>
             </a:fld>
             <a:endParaRPr lang="en-US" dirty="0"/>
           </a:p>
@@ -4423,7 +4423,7 @@
             <a:fld id="{B61BEF0D-F0BB-DE4B-95CE-6DB70DBA9567}" type="datetimeFigureOut">
               <a:rPr lang="en-US" smtClean="0"/>
               <a:pPr/>
-              <a:t>12/18/2020</a:t>
+              <a:t>12/19/2020</a:t>
             </a:fld>
             <a:endParaRPr lang="en-US" dirty="0"/>
           </a:p>
@@ -4543,7 +4543,7 @@
             <a:fld id="{B61BEF0D-F0BB-DE4B-95CE-6DB70DBA9567}" type="datetimeFigureOut">
               <a:rPr lang="en-US" smtClean="0"/>
               <a:pPr/>
-              <a:t>12/18/2020</a:t>
+              <a:t>12/19/2020</a:t>
             </a:fld>
             <a:endParaRPr lang="en-US" dirty="0"/>
           </a:p>
@@ -4640,7 +4640,7 @@
             <a:fld id="{B61BEF0D-F0BB-DE4B-95CE-6DB70DBA9567}" type="datetimeFigureOut">
               <a:rPr lang="en-US" smtClean="0"/>
               <a:pPr/>
-              <a:t>12/18/2020</a:t>
+              <a:t>12/19/2020</a:t>
             </a:fld>
             <a:endParaRPr lang="en-US" dirty="0"/>
           </a:p>
@@ -4891,7 +4891,7 @@
             <a:fld id="{B61BEF0D-F0BB-DE4B-95CE-6DB70DBA9567}" type="datetimeFigureOut">
               <a:rPr lang="en-US" smtClean="0"/>
               <a:pPr/>
-              <a:t>12/18/2020</a:t>
+              <a:t>12/19/2020</a:t>
             </a:fld>
             <a:endParaRPr lang="en-US" dirty="0"/>
           </a:p>
@@ -5150,7 +5150,7 @@
             <a:fld id="{B61BEF0D-F0BB-DE4B-95CE-6DB70DBA9567}" type="datetimeFigureOut">
               <a:rPr lang="en-US" smtClean="0"/>
               <a:pPr/>
-              <a:t>12/18/2020</a:t>
+              <a:t>12/19/2020</a:t>
             </a:fld>
             <a:endParaRPr lang="en-US" dirty="0"/>
           </a:p>
@@ -5395,7 +5395,7 @@
             <a:fld id="{B61BEF0D-F0BB-DE4B-95CE-6DB70DBA9567}" type="datetimeFigureOut">
               <a:rPr lang="en-US" smtClean="0"/>
               <a:pPr/>
-              <a:t>12/18/2020</a:t>
+              <a:t>12/19/2020</a:t>
             </a:fld>
             <a:endParaRPr lang="en-US" dirty="0"/>
           </a:p>
@@ -5887,7 +5887,7 @@
           <a:p>
             <a:fld id="{F7660503-DF43-4A7C-BF78-5148C24FF462}" type="datetime5">
               <a:rPr lang="zh-TW" altLang="en-US" smtClean="0"/>
-              <a:t>2020年12月18日星期五</a:t>
+              <a:t>2020年12月19日星期六</a:t>
             </a:fld>
             <a:endParaRPr lang="en-US" altLang="zh-TW" dirty="0" smtClean="0"/>
           </a:p>
@@ -7311,9 +7311,50 @@
             </a:r>
             <a:r>
               <a:rPr lang="en-US" altLang="zh-TW" dirty="0"/>
-              <a:t>AI Starter</a:t>
-            </a:r>
-            <a:endParaRPr lang="zh-TW" altLang="en-US" dirty="0"/>
+              <a:t>AI </a:t>
+            </a:r>
+            <a:r>
+              <a:rPr lang="en-US" altLang="zh-TW" dirty="0" smtClean="0"/>
+              <a:t>Starter</a:t>
+            </a:r>
+          </a:p>
+          <a:p>
+            <a:endParaRPr lang="en-US" altLang="zh-TW" dirty="0"/>
+          </a:p>
+          <a:p>
+            <a:endParaRPr lang="en-US" altLang="zh-TW" dirty="0" smtClean="0"/>
+          </a:p>
+          <a:p>
+            <a:endParaRPr lang="en-US" altLang="zh-TW" dirty="0"/>
+          </a:p>
+          <a:p>
+            <a:r>
+              <a:rPr lang="zh-TW" altLang="en-US" dirty="0" smtClean="0"/>
+              <a:t>投影片下載：</a:t>
+            </a:r>
+            <a:endParaRPr lang="en-US" altLang="zh-TW" dirty="0" smtClean="0"/>
+          </a:p>
+          <a:p>
+            <a:pPr lvl="1"/>
+            <a:r>
+              <a:rPr lang="en-US" altLang="zh-TW">
+                <a:hlinkClick r:id="rId2"/>
+              </a:rPr>
+              <a:t>https</a:t>
+            </a:r>
+            <a:r>
+              <a:rPr lang="en-US" altLang="zh-TW">
+                <a:hlinkClick r:id="rId2"/>
+              </a:rPr>
+              <a:t>://</a:t>
+            </a:r>
+            <a:r>
+              <a:rPr lang="en-US" altLang="zh-TW" smtClean="0">
+                <a:hlinkClick r:id="rId2"/>
+              </a:rPr>
+              <a:t>tinyurl.com/yaw4njze</a:t>
+            </a:r>
+            <a:endParaRPr lang="en-US" altLang="zh-TW" smtClean="0"/>
           </a:p>
         </p:txBody>
       </p:sp>
